--- a/HW/Product/Pick and Place/Asm.pptx
+++ b/HW/Product/Pick and Place/Asm.pptx
@@ -136,6 +136,11 @@
       </a:defRPr>
     </a:lvl9pPr>
   </p:defaultTextStyle>
+  <p:extLst>
+    <p:ext uri="{EFAFB233-063F-42B5-8137-9DF3F51BA10A}">
+      <p15:sldGuideLst xmlns:p15="http://schemas.microsoft.com/office/powerpoint/2012/main"/>
+    </p:ext>
+  </p:extLst>
 </p:presentation>
 </file>
 
@@ -286,7 +291,7 @@
           <a:p>
             <a:fld id="{61C1671E-A599-4BCD-BEE9-13E0497FA75A}" type="datetimeFigureOut">
               <a:rPr lang="en-US" smtClean="0"/>
-              <a:t>Sun, 12.12.2021</a:t>
+              <a:t>Fri, 17.12.2021</a:t>
             </a:fld>
             <a:endParaRPr lang="en-US"/>
           </a:p>
@@ -484,7 +489,7 @@
           <a:p>
             <a:fld id="{61C1671E-A599-4BCD-BEE9-13E0497FA75A}" type="datetimeFigureOut">
               <a:rPr lang="en-US" smtClean="0"/>
-              <a:t>Sun, 12.12.2021</a:t>
+              <a:t>Fri, 17.12.2021</a:t>
             </a:fld>
             <a:endParaRPr lang="en-US"/>
           </a:p>
@@ -692,7 +697,7 @@
           <a:p>
             <a:fld id="{61C1671E-A599-4BCD-BEE9-13E0497FA75A}" type="datetimeFigureOut">
               <a:rPr lang="en-US" smtClean="0"/>
-              <a:t>Sun, 12.12.2021</a:t>
+              <a:t>Fri, 17.12.2021</a:t>
             </a:fld>
             <a:endParaRPr lang="en-US"/>
           </a:p>
@@ -943,7 +948,7 @@
           <a:p>
             <a:fld id="{61C1671E-A599-4BCD-BEE9-13E0497FA75A}" type="datetimeFigureOut">
               <a:rPr lang="en-US" smtClean="0"/>
-              <a:t>Sun, 12.12.2021</a:t>
+              <a:t>Fri, 17.12.2021</a:t>
             </a:fld>
             <a:endParaRPr lang="en-US"/>
           </a:p>
@@ -1218,7 +1223,7 @@
           <a:p>
             <a:fld id="{61C1671E-A599-4BCD-BEE9-13E0497FA75A}" type="datetimeFigureOut">
               <a:rPr lang="en-US" smtClean="0"/>
-              <a:t>Sun, 12.12.2021</a:t>
+              <a:t>Fri, 17.12.2021</a:t>
             </a:fld>
             <a:endParaRPr lang="en-US"/>
           </a:p>
@@ -1483,7 +1488,7 @@
           <a:p>
             <a:fld id="{61C1671E-A599-4BCD-BEE9-13E0497FA75A}" type="datetimeFigureOut">
               <a:rPr lang="en-US" smtClean="0"/>
-              <a:t>Sun, 12.12.2021</a:t>
+              <a:t>Fri, 17.12.2021</a:t>
             </a:fld>
             <a:endParaRPr lang="en-US"/>
           </a:p>
@@ -1895,7 +1900,7 @@
           <a:p>
             <a:fld id="{61C1671E-A599-4BCD-BEE9-13E0497FA75A}" type="datetimeFigureOut">
               <a:rPr lang="en-US" smtClean="0"/>
-              <a:t>Sun, 12.12.2021</a:t>
+              <a:t>Fri, 17.12.2021</a:t>
             </a:fld>
             <a:endParaRPr lang="en-US"/>
           </a:p>
@@ -2036,7 +2041,7 @@
           <a:p>
             <a:fld id="{61C1671E-A599-4BCD-BEE9-13E0497FA75A}" type="datetimeFigureOut">
               <a:rPr lang="en-US" smtClean="0"/>
-              <a:t>Sun, 12.12.2021</a:t>
+              <a:t>Fri, 17.12.2021</a:t>
             </a:fld>
             <a:endParaRPr lang="en-US"/>
           </a:p>
@@ -2149,7 +2154,7 @@
           <a:p>
             <a:fld id="{61C1671E-A599-4BCD-BEE9-13E0497FA75A}" type="datetimeFigureOut">
               <a:rPr lang="en-US" smtClean="0"/>
-              <a:t>Sun, 12.12.2021</a:t>
+              <a:t>Fri, 17.12.2021</a:t>
             </a:fld>
             <a:endParaRPr lang="en-US"/>
           </a:p>
@@ -2460,7 +2465,7 @@
           <a:p>
             <a:fld id="{61C1671E-A599-4BCD-BEE9-13E0497FA75A}" type="datetimeFigureOut">
               <a:rPr lang="en-US" smtClean="0"/>
-              <a:t>Sun, 12.12.2021</a:t>
+              <a:t>Fri, 17.12.2021</a:t>
             </a:fld>
             <a:endParaRPr lang="en-US"/>
           </a:p>
@@ -2748,7 +2753,7 @@
           <a:p>
             <a:fld id="{61C1671E-A599-4BCD-BEE9-13E0497FA75A}" type="datetimeFigureOut">
               <a:rPr lang="en-US" smtClean="0"/>
-              <a:t>Sun, 12.12.2021</a:t>
+              <a:t>Fri, 17.12.2021</a:t>
             </a:fld>
             <a:endParaRPr lang="en-US"/>
           </a:p>
@@ -2989,7 +2994,7 @@
           <a:p>
             <a:fld id="{61C1671E-A599-4BCD-BEE9-13E0497FA75A}" type="datetimeFigureOut">
               <a:rPr lang="en-US" smtClean="0"/>
-              <a:t>Sun, 12.12.2021</a:t>
+              <a:t>Fri, 17.12.2021</a:t>
             </a:fld>
             <a:endParaRPr lang="en-US"/>
           </a:p>
@@ -8944,6 +8949,58 @@
           </a:p>
         </p:txBody>
       </p:sp>
+      <p:sp>
+        <p:nvSpPr>
+          <p:cNvPr id="4" name="Rectangle: Rounded Corners 3">
+            <a:extLst>
+              <a:ext uri="{FF2B5EF4-FFF2-40B4-BE49-F238E27FC236}">
+                <a16:creationId xmlns:a16="http://schemas.microsoft.com/office/drawing/2014/main" id="{1EDF91C2-6E17-40B5-AAB0-78D81AAF4E76}"/>
+              </a:ext>
+            </a:extLst>
+          </p:cNvPr>
+          <p:cNvSpPr/>
+          <p:nvPr/>
+        </p:nvSpPr>
+        <p:spPr>
+          <a:xfrm rot="16200000">
+            <a:off x="6695113" y="3807780"/>
+            <a:ext cx="155268" cy="288923"/>
+          </a:xfrm>
+          <a:prstGeom prst="roundRect">
+            <a:avLst/>
+          </a:prstGeom>
+          <a:noFill/>
+          <a:ln>
+            <a:solidFill>
+              <a:srgbClr val="FF0000"/>
+            </a:solidFill>
+          </a:ln>
+        </p:spPr>
+        <p:style>
+          <a:lnRef idx="2">
+            <a:schemeClr val="accent1">
+              <a:shade val="50000"/>
+            </a:schemeClr>
+          </a:lnRef>
+          <a:fillRef idx="1">
+            <a:schemeClr val="accent1"/>
+          </a:fillRef>
+          <a:effectRef idx="0">
+            <a:schemeClr val="accent1"/>
+          </a:effectRef>
+          <a:fontRef idx="minor">
+            <a:schemeClr val="lt1"/>
+          </a:fontRef>
+        </p:style>
+        <p:txBody>
+          <a:bodyPr rtlCol="0" anchor="ctr"/>
+          <a:lstStyle/>
+          <a:p>
+            <a:pPr algn="ctr"/>
+            <a:endParaRPr lang="en-US"/>
+          </a:p>
+        </p:txBody>
+      </p:sp>
     </p:spTree>
     <p:extLst>
       <p:ext uri="{BB962C8B-B14F-4D97-AF65-F5344CB8AC3E}">

--- a/HW/Product/Pick and Place/Asm.pptx
+++ b/HW/Product/Pick and Place/Asm.pptx
@@ -291,7 +291,7 @@
           <a:p>
             <a:fld id="{61C1671E-A599-4BCD-BEE9-13E0497FA75A}" type="datetimeFigureOut">
               <a:rPr lang="en-US" smtClean="0"/>
-              <a:t>Fri, 17.12.2021</a:t>
+              <a:t>Sat, 18.12.2021</a:t>
             </a:fld>
             <a:endParaRPr lang="en-US"/>
           </a:p>
@@ -489,7 +489,7 @@
           <a:p>
             <a:fld id="{61C1671E-A599-4BCD-BEE9-13E0497FA75A}" type="datetimeFigureOut">
               <a:rPr lang="en-US" smtClean="0"/>
-              <a:t>Fri, 17.12.2021</a:t>
+              <a:t>Sat, 18.12.2021</a:t>
             </a:fld>
             <a:endParaRPr lang="en-US"/>
           </a:p>
@@ -697,7 +697,7 @@
           <a:p>
             <a:fld id="{61C1671E-A599-4BCD-BEE9-13E0497FA75A}" type="datetimeFigureOut">
               <a:rPr lang="en-US" smtClean="0"/>
-              <a:t>Fri, 17.12.2021</a:t>
+              <a:t>Sat, 18.12.2021</a:t>
             </a:fld>
             <a:endParaRPr lang="en-US"/>
           </a:p>
@@ -948,7 +948,7 @@
           <a:p>
             <a:fld id="{61C1671E-A599-4BCD-BEE9-13E0497FA75A}" type="datetimeFigureOut">
               <a:rPr lang="en-US" smtClean="0"/>
-              <a:t>Fri, 17.12.2021</a:t>
+              <a:t>Sat, 18.12.2021</a:t>
             </a:fld>
             <a:endParaRPr lang="en-US"/>
           </a:p>
@@ -1223,7 +1223,7 @@
           <a:p>
             <a:fld id="{61C1671E-A599-4BCD-BEE9-13E0497FA75A}" type="datetimeFigureOut">
               <a:rPr lang="en-US" smtClean="0"/>
-              <a:t>Fri, 17.12.2021</a:t>
+              <a:t>Sat, 18.12.2021</a:t>
             </a:fld>
             <a:endParaRPr lang="en-US"/>
           </a:p>
@@ -1488,7 +1488,7 @@
           <a:p>
             <a:fld id="{61C1671E-A599-4BCD-BEE9-13E0497FA75A}" type="datetimeFigureOut">
               <a:rPr lang="en-US" smtClean="0"/>
-              <a:t>Fri, 17.12.2021</a:t>
+              <a:t>Sat, 18.12.2021</a:t>
             </a:fld>
             <a:endParaRPr lang="en-US"/>
           </a:p>
@@ -1900,7 +1900,7 @@
           <a:p>
             <a:fld id="{61C1671E-A599-4BCD-BEE9-13E0497FA75A}" type="datetimeFigureOut">
               <a:rPr lang="en-US" smtClean="0"/>
-              <a:t>Fri, 17.12.2021</a:t>
+              <a:t>Sat, 18.12.2021</a:t>
             </a:fld>
             <a:endParaRPr lang="en-US"/>
           </a:p>
@@ -2041,7 +2041,7 @@
           <a:p>
             <a:fld id="{61C1671E-A599-4BCD-BEE9-13E0497FA75A}" type="datetimeFigureOut">
               <a:rPr lang="en-US" smtClean="0"/>
-              <a:t>Fri, 17.12.2021</a:t>
+              <a:t>Sat, 18.12.2021</a:t>
             </a:fld>
             <a:endParaRPr lang="en-US"/>
           </a:p>
@@ -2154,7 +2154,7 @@
           <a:p>
             <a:fld id="{61C1671E-A599-4BCD-BEE9-13E0497FA75A}" type="datetimeFigureOut">
               <a:rPr lang="en-US" smtClean="0"/>
-              <a:t>Fri, 17.12.2021</a:t>
+              <a:t>Sat, 18.12.2021</a:t>
             </a:fld>
             <a:endParaRPr lang="en-US"/>
           </a:p>
@@ -2465,7 +2465,7 @@
           <a:p>
             <a:fld id="{61C1671E-A599-4BCD-BEE9-13E0497FA75A}" type="datetimeFigureOut">
               <a:rPr lang="en-US" smtClean="0"/>
-              <a:t>Fri, 17.12.2021</a:t>
+              <a:t>Sat, 18.12.2021</a:t>
             </a:fld>
             <a:endParaRPr lang="en-US"/>
           </a:p>
@@ -2753,7 +2753,7 @@
           <a:p>
             <a:fld id="{61C1671E-A599-4BCD-BEE9-13E0497FA75A}" type="datetimeFigureOut">
               <a:rPr lang="en-US" smtClean="0"/>
-              <a:t>Fri, 17.12.2021</a:t>
+              <a:t>Sat, 18.12.2021</a:t>
             </a:fld>
             <a:endParaRPr lang="en-US"/>
           </a:p>
@@ -2994,7 +2994,7 @@
           <a:p>
             <a:fld id="{61C1671E-A599-4BCD-BEE9-13E0497FA75A}" type="datetimeFigureOut">
               <a:rPr lang="en-US" smtClean="0"/>
-              <a:t>Fri, 17.12.2021</a:t>
+              <a:t>Sat, 18.12.2021</a:t>
             </a:fld>
             <a:endParaRPr lang="en-US"/>
           </a:p>
@@ -4537,6 +4537,58 @@
           </a:p>
         </p:txBody>
       </p:sp>
+      <p:sp>
+        <p:nvSpPr>
+          <p:cNvPr id="4" name="Rectangle: Rounded Corners 3">
+            <a:extLst>
+              <a:ext uri="{FF2B5EF4-FFF2-40B4-BE49-F238E27FC236}">
+                <a16:creationId xmlns:a16="http://schemas.microsoft.com/office/drawing/2014/main" id="{5388F7F2-6295-42E9-984D-FFD1573A6555}"/>
+              </a:ext>
+            </a:extLst>
+          </p:cNvPr>
+          <p:cNvSpPr/>
+          <p:nvPr/>
+        </p:nvSpPr>
+        <p:spPr>
+          <a:xfrm>
+            <a:off x="6523591" y="3509724"/>
+            <a:ext cx="384971" cy="342899"/>
+          </a:xfrm>
+          <a:prstGeom prst="roundRect">
+            <a:avLst/>
+          </a:prstGeom>
+          <a:noFill/>
+          <a:ln>
+            <a:solidFill>
+              <a:srgbClr val="FF0000"/>
+            </a:solidFill>
+          </a:ln>
+        </p:spPr>
+        <p:style>
+          <a:lnRef idx="2">
+            <a:schemeClr val="accent1">
+              <a:shade val="50000"/>
+            </a:schemeClr>
+          </a:lnRef>
+          <a:fillRef idx="1">
+            <a:schemeClr val="accent1"/>
+          </a:fillRef>
+          <a:effectRef idx="0">
+            <a:schemeClr val="accent1"/>
+          </a:effectRef>
+          <a:fontRef idx="minor">
+            <a:schemeClr val="lt1"/>
+          </a:fontRef>
+        </p:style>
+        <p:txBody>
+          <a:bodyPr rtlCol="0" anchor="ctr"/>
+          <a:lstStyle/>
+          <a:p>
+            <a:pPr algn="ctr"/>
+            <a:endParaRPr lang="en-US" dirty="0"/>
+          </a:p>
+        </p:txBody>
+      </p:sp>
     </p:spTree>
     <p:extLst>
       <p:ext uri="{BB962C8B-B14F-4D97-AF65-F5344CB8AC3E}">
